--- a/AR+/tutu.pptx
+++ b/AR+/tutu.pptx
@@ -5,13 +5,14 @@
     <p:sldMasterId id="2147483648" r:id="rId1"/>
   </p:sldMasterIdLst>
   <p:handoutMasterIdLst>
-    <p:handoutMasterId r:id="rId6"/>
+    <p:handoutMasterId r:id="rId7"/>
   </p:handoutMasterIdLst>
   <p:sldIdLst>
     <p:sldId id="260" r:id="rId2"/>
     <p:sldId id="257" r:id="rId3"/>
     <p:sldId id="258" r:id="rId4"/>
-    <p:sldId id="259" r:id="rId5"/>
+    <p:sldId id="261" r:id="rId5"/>
+    <p:sldId id="259" r:id="rId6"/>
   </p:sldIdLst>
   <p:sldSz cx="12192000" cy="6858000"/>
   <p:notesSz cx="6797675" cy="9926638"/>
@@ -110,6 +111,11 @@
       </a:defRPr>
     </a:lvl9pPr>
   </p:defaultTextStyle>
+  <p:extLst>
+    <p:ext uri="{EFAFB233-063F-42B5-8137-9DF3F51BA10A}">
+      <p15:sldGuideLst xmlns:p15="http://schemas.microsoft.com/office/powerpoint/2012/main"/>
+    </p:ext>
+  </p:extLst>
 </p:presentation>
 </file>
 
@@ -211,7 +217,7 @@
           <a:p>
             <a:fld id="{009C740F-E7E9-4D99-9911-3F561E13B73F}" type="datetimeFigureOut">
               <a:rPr lang="en-US" smtClean="0"/>
-              <a:t>12/23/2017</a:t>
+              <a:t>12/27/2017</a:t>
             </a:fld>
             <a:endParaRPr lang="en-US"/>
           </a:p>
@@ -455,7 +461,7 @@
           <a:p>
             <a:fld id="{979957E9-0785-4221-8DB3-9FDB2795D7E8}" type="datetimeFigureOut">
               <a:rPr lang="en-US" smtClean="0"/>
-              <a:t>12/23/2017</a:t>
+              <a:t>12/27/2017</a:t>
             </a:fld>
             <a:endParaRPr lang="en-US"/>
           </a:p>
@@ -655,7 +661,7 @@
           <a:p>
             <a:fld id="{979957E9-0785-4221-8DB3-9FDB2795D7E8}" type="datetimeFigureOut">
               <a:rPr lang="en-US" smtClean="0"/>
-              <a:t>12/23/2017</a:t>
+              <a:t>12/27/2017</a:t>
             </a:fld>
             <a:endParaRPr lang="en-US"/>
           </a:p>
@@ -865,7 +871,7 @@
           <a:p>
             <a:fld id="{979957E9-0785-4221-8DB3-9FDB2795D7E8}" type="datetimeFigureOut">
               <a:rPr lang="en-US" smtClean="0"/>
-              <a:t>12/23/2017</a:t>
+              <a:t>12/27/2017</a:t>
             </a:fld>
             <a:endParaRPr lang="en-US"/>
           </a:p>
@@ -1065,7 +1071,7 @@
           <a:p>
             <a:fld id="{979957E9-0785-4221-8DB3-9FDB2795D7E8}" type="datetimeFigureOut">
               <a:rPr lang="en-US" smtClean="0"/>
-              <a:t>12/23/2017</a:t>
+              <a:t>12/27/2017</a:t>
             </a:fld>
             <a:endParaRPr lang="en-US"/>
           </a:p>
@@ -1341,7 +1347,7 @@
           <a:p>
             <a:fld id="{979957E9-0785-4221-8DB3-9FDB2795D7E8}" type="datetimeFigureOut">
               <a:rPr lang="en-US" smtClean="0"/>
-              <a:t>12/23/2017</a:t>
+              <a:t>12/27/2017</a:t>
             </a:fld>
             <a:endParaRPr lang="en-US"/>
           </a:p>
@@ -1609,7 +1615,7 @@
           <a:p>
             <a:fld id="{979957E9-0785-4221-8DB3-9FDB2795D7E8}" type="datetimeFigureOut">
               <a:rPr lang="en-US" smtClean="0"/>
-              <a:t>12/23/2017</a:t>
+              <a:t>12/27/2017</a:t>
             </a:fld>
             <a:endParaRPr lang="en-US"/>
           </a:p>
@@ -2024,7 +2030,7 @@
           <a:p>
             <a:fld id="{979957E9-0785-4221-8DB3-9FDB2795D7E8}" type="datetimeFigureOut">
               <a:rPr lang="en-US" smtClean="0"/>
-              <a:t>12/23/2017</a:t>
+              <a:t>12/27/2017</a:t>
             </a:fld>
             <a:endParaRPr lang="en-US"/>
           </a:p>
@@ -2166,7 +2172,7 @@
           <a:p>
             <a:fld id="{979957E9-0785-4221-8DB3-9FDB2795D7E8}" type="datetimeFigureOut">
               <a:rPr lang="en-US" smtClean="0"/>
-              <a:t>12/23/2017</a:t>
+              <a:t>12/27/2017</a:t>
             </a:fld>
             <a:endParaRPr lang="en-US"/>
           </a:p>
@@ -2279,7 +2285,7 @@
           <a:p>
             <a:fld id="{979957E9-0785-4221-8DB3-9FDB2795D7E8}" type="datetimeFigureOut">
               <a:rPr lang="en-US" smtClean="0"/>
-              <a:t>12/23/2017</a:t>
+              <a:t>12/27/2017</a:t>
             </a:fld>
             <a:endParaRPr lang="en-US"/>
           </a:p>
@@ -2592,7 +2598,7 @@
           <a:p>
             <a:fld id="{979957E9-0785-4221-8DB3-9FDB2795D7E8}" type="datetimeFigureOut">
               <a:rPr lang="en-US" smtClean="0"/>
-              <a:t>12/23/2017</a:t>
+              <a:t>12/27/2017</a:t>
             </a:fld>
             <a:endParaRPr lang="en-US"/>
           </a:p>
@@ -2881,7 +2887,7 @@
           <a:p>
             <a:fld id="{979957E9-0785-4221-8DB3-9FDB2795D7E8}" type="datetimeFigureOut">
               <a:rPr lang="en-US" smtClean="0"/>
-              <a:t>12/23/2017</a:t>
+              <a:t>12/27/2017</a:t>
             </a:fld>
             <a:endParaRPr lang="en-US"/>
           </a:p>
@@ -3124,7 +3130,7 @@
           <a:p>
             <a:fld id="{979957E9-0785-4221-8DB3-9FDB2795D7E8}" type="datetimeFigureOut">
               <a:rPr lang="en-US" smtClean="0"/>
-              <a:t>12/23/2017</a:t>
+              <a:t>12/27/2017</a:t>
             </a:fld>
             <a:endParaRPr lang="en-US"/>
           </a:p>
@@ -3828,6 +3834,107 @@
 </file>
 
 <file path=ppt/slides/slide4.xml><?xml version="1.0" encoding="utf-8"?>
+<p:sld xmlns:a="http://schemas.openxmlformats.org/drawingml/2006/main" xmlns:r="http://schemas.openxmlformats.org/officeDocument/2006/relationships" xmlns:p="http://schemas.openxmlformats.org/presentationml/2006/main">
+  <p:cSld>
+    <p:spTree>
+      <p:nvGrpSpPr>
+        <p:cNvPr id="1" name=""/>
+        <p:cNvGrpSpPr/>
+        <p:nvPr/>
+      </p:nvGrpSpPr>
+      <p:grpSpPr>
+        <a:xfrm>
+          <a:off x="0" y="0"/>
+          <a:ext cx="0" cy="0"/>
+          <a:chOff x="0" y="0"/>
+          <a:chExt cx="0" cy="0"/>
+        </a:xfrm>
+      </p:grpSpPr>
+      <p:pic>
+        <p:nvPicPr>
+          <p:cNvPr id="5" name="内容占位符 4">
+            <a:extLst>
+              <a:ext uri="{FF2B5EF4-FFF2-40B4-BE49-F238E27FC236}">
+                <a16:creationId xmlns:a16="http://schemas.microsoft.com/office/drawing/2014/main" id="{F00BB27F-1AAC-4236-A4E1-B0718D337840}"/>
+              </a:ext>
+            </a:extLst>
+          </p:cNvPr>
+          <p:cNvPicPr>
+            <a:picLocks noGrp="1" noChangeAspect="1"/>
+          </p:cNvPicPr>
+          <p:nvPr>
+            <p:ph idx="1"/>
+          </p:nvPr>
+        </p:nvPicPr>
+        <p:blipFill>
+          <a:blip r:embed="rId2">
+            <a:extLst>
+              <a:ext uri="{28A0092B-C50C-407E-A947-70E740481C1C}">
+                <a14:useLocalDpi xmlns:a14="http://schemas.microsoft.com/office/drawing/2010/main" val="0"/>
+              </a:ext>
+            </a:extLst>
+          </a:blip>
+          <a:stretch>
+            <a:fillRect/>
+          </a:stretch>
+        </p:blipFill>
+        <p:spPr>
+          <a:xfrm>
+            <a:off x="6602262" y="602583"/>
+            <a:ext cx="3661557" cy="5652834"/>
+          </a:xfrm>
+        </p:spPr>
+      </p:pic>
+      <p:pic>
+        <p:nvPicPr>
+          <p:cNvPr id="7" name="图片 6">
+            <a:extLst>
+              <a:ext uri="{FF2B5EF4-FFF2-40B4-BE49-F238E27FC236}">
+                <a16:creationId xmlns:a16="http://schemas.microsoft.com/office/drawing/2014/main" id="{C51051FF-A510-4BE5-9DA9-602D346EB63C}"/>
+              </a:ext>
+            </a:extLst>
+          </p:cNvPr>
+          <p:cNvPicPr>
+            <a:picLocks noChangeAspect="1"/>
+          </p:cNvPicPr>
+          <p:nvPr/>
+        </p:nvPicPr>
+        <p:blipFill>
+          <a:blip r:embed="rId3">
+            <a:extLst>
+              <a:ext uri="{28A0092B-C50C-407E-A947-70E740481C1C}">
+                <a14:useLocalDpi xmlns:a14="http://schemas.microsoft.com/office/drawing/2010/main" val="0"/>
+              </a:ext>
+            </a:extLst>
+          </a:blip>
+          <a:stretch>
+            <a:fillRect/>
+          </a:stretch>
+        </p:blipFill>
+        <p:spPr>
+          <a:xfrm>
+            <a:off x="1361705" y="602583"/>
+            <a:ext cx="3661557" cy="5652834"/>
+          </a:xfrm>
+          <a:prstGeom prst="rect">
+            <a:avLst/>
+          </a:prstGeom>
+        </p:spPr>
+      </p:pic>
+    </p:spTree>
+    <p:extLst>
+      <p:ext uri="{BB962C8B-B14F-4D97-AF65-F5344CB8AC3E}">
+        <p14:creationId xmlns:p14="http://schemas.microsoft.com/office/powerpoint/2010/main" val="674759077"/>
+      </p:ext>
+    </p:extLst>
+  </p:cSld>
+  <p:clrMapOvr>
+    <a:masterClrMapping/>
+  </p:clrMapOvr>
+</p:sld>
+</file>
+
+<file path=ppt/slides/slide5.xml><?xml version="1.0" encoding="utf-8"?>
 <p:sld xmlns:a="http://schemas.openxmlformats.org/drawingml/2006/main" xmlns:r="http://schemas.openxmlformats.org/officeDocument/2006/relationships" xmlns:p="http://schemas.openxmlformats.org/presentationml/2006/main">
   <p:cSld>
     <p:spTree>
